--- a/Assets/Group_Project_1_presentation.pptx
+++ b/Assets/Group_Project_1_presentation.pptx
@@ -9,15 +9,13 @@
     <p:sldId id="257" r:id="rId3"/>
     <p:sldId id="265" r:id="rId4"/>
     <p:sldId id="258" r:id="rId5"/>
-    <p:sldId id="260" r:id="rId6"/>
-    <p:sldId id="261" r:id="rId7"/>
-    <p:sldId id="262" r:id="rId8"/>
-    <p:sldId id="263" r:id="rId9"/>
-    <p:sldId id="264" r:id="rId10"/>
-    <p:sldId id="269" r:id="rId11"/>
-    <p:sldId id="270" r:id="rId12"/>
-    <p:sldId id="271" r:id="rId13"/>
-    <p:sldId id="268" r:id="rId14"/>
+    <p:sldId id="262" r:id="rId6"/>
+    <p:sldId id="263" r:id="rId7"/>
+    <p:sldId id="264" r:id="rId8"/>
+    <p:sldId id="269" r:id="rId9"/>
+    <p:sldId id="270" r:id="rId10"/>
+    <p:sldId id="271" r:id="rId11"/>
+    <p:sldId id="268" r:id="rId12"/>
   </p:sldIdLst>
   <p:sldSz cx="12192000" cy="6858000"/>
   <p:notesSz cx="6858000" cy="9144000"/>
@@ -116,6 +114,11 @@
       </a:defRPr>
     </a:lvl9pPr>
   </p:defaultTextStyle>
+  <p:extLst>
+    <p:ext uri="{EFAFB233-063F-42B5-8137-9DF3F51BA10A}">
+      <p15:sldGuideLst xmlns:p15="http://schemas.microsoft.com/office/powerpoint/2012/main"/>
+    </p:ext>
+  </p:extLst>
 </p:presentation>
 </file>
 
@@ -266,7 +269,7 @@
           <a:p>
             <a:fld id="{38673428-5846-4C03-A941-2BDF07019CA4}" type="datetimeFigureOut">
               <a:rPr lang="en-US" smtClean="0"/>
-              <a:t>12/18/2019</a:t>
+              <a:t>12/21/2019</a:t>
             </a:fld>
             <a:endParaRPr lang="en-US"/>
           </a:p>
@@ -464,7 +467,7 @@
           <a:p>
             <a:fld id="{38673428-5846-4C03-A941-2BDF07019CA4}" type="datetimeFigureOut">
               <a:rPr lang="en-US" smtClean="0"/>
-              <a:t>12/18/2019</a:t>
+              <a:t>12/21/2019</a:t>
             </a:fld>
             <a:endParaRPr lang="en-US"/>
           </a:p>
@@ -672,7 +675,7 @@
           <a:p>
             <a:fld id="{38673428-5846-4C03-A941-2BDF07019CA4}" type="datetimeFigureOut">
               <a:rPr lang="en-US" smtClean="0"/>
-              <a:t>12/18/2019</a:t>
+              <a:t>12/21/2019</a:t>
             </a:fld>
             <a:endParaRPr lang="en-US"/>
           </a:p>
@@ -870,7 +873,7 @@
           <a:p>
             <a:fld id="{38673428-5846-4C03-A941-2BDF07019CA4}" type="datetimeFigureOut">
               <a:rPr lang="en-US" smtClean="0"/>
-              <a:t>12/18/2019</a:t>
+              <a:t>12/21/2019</a:t>
             </a:fld>
             <a:endParaRPr lang="en-US"/>
           </a:p>
@@ -1145,7 +1148,7 @@
           <a:p>
             <a:fld id="{38673428-5846-4C03-A941-2BDF07019CA4}" type="datetimeFigureOut">
               <a:rPr lang="en-US" smtClean="0"/>
-              <a:t>12/18/2019</a:t>
+              <a:t>12/21/2019</a:t>
             </a:fld>
             <a:endParaRPr lang="en-US"/>
           </a:p>
@@ -1410,7 +1413,7 @@
           <a:p>
             <a:fld id="{38673428-5846-4C03-A941-2BDF07019CA4}" type="datetimeFigureOut">
               <a:rPr lang="en-US" smtClean="0"/>
-              <a:t>12/18/2019</a:t>
+              <a:t>12/21/2019</a:t>
             </a:fld>
             <a:endParaRPr lang="en-US"/>
           </a:p>
@@ -1822,7 +1825,7 @@
           <a:p>
             <a:fld id="{38673428-5846-4C03-A941-2BDF07019CA4}" type="datetimeFigureOut">
               <a:rPr lang="en-US" smtClean="0"/>
-              <a:t>12/18/2019</a:t>
+              <a:t>12/21/2019</a:t>
             </a:fld>
             <a:endParaRPr lang="en-US"/>
           </a:p>
@@ -1963,7 +1966,7 @@
           <a:p>
             <a:fld id="{38673428-5846-4C03-A941-2BDF07019CA4}" type="datetimeFigureOut">
               <a:rPr lang="en-US" smtClean="0"/>
-              <a:t>12/18/2019</a:t>
+              <a:t>12/21/2019</a:t>
             </a:fld>
             <a:endParaRPr lang="en-US"/>
           </a:p>
@@ -2076,7 +2079,7 @@
           <a:p>
             <a:fld id="{38673428-5846-4C03-A941-2BDF07019CA4}" type="datetimeFigureOut">
               <a:rPr lang="en-US" smtClean="0"/>
-              <a:t>12/18/2019</a:t>
+              <a:t>12/21/2019</a:t>
             </a:fld>
             <a:endParaRPr lang="en-US"/>
           </a:p>
@@ -2387,7 +2390,7 @@
           <a:p>
             <a:fld id="{38673428-5846-4C03-A941-2BDF07019CA4}" type="datetimeFigureOut">
               <a:rPr lang="en-US" smtClean="0"/>
-              <a:t>12/18/2019</a:t>
+              <a:t>12/21/2019</a:t>
             </a:fld>
             <a:endParaRPr lang="en-US"/>
           </a:p>
@@ -2675,7 +2678,7 @@
           <a:p>
             <a:fld id="{38673428-5846-4C03-A941-2BDF07019CA4}" type="datetimeFigureOut">
               <a:rPr lang="en-US" smtClean="0"/>
-              <a:t>12/18/2019</a:t>
+              <a:t>12/21/2019</a:t>
             </a:fld>
             <a:endParaRPr lang="en-US"/>
           </a:p>
@@ -2916,7 +2919,7 @@
           <a:p>
             <a:fld id="{38673428-5846-4C03-A941-2BDF07019CA4}" type="datetimeFigureOut">
               <a:rPr lang="en-US" smtClean="0"/>
-              <a:t>12/18/2019</a:t>
+              <a:t>12/21/2019</a:t>
             </a:fld>
             <a:endParaRPr lang="en-US"/>
           </a:p>
@@ -3485,275 +3488,6 @@
           </a:blip>
           <a:srcRect/>
           <a:stretch>
-            <a:fillRect l="14000" t="-12000" r="-39000" b="26000"/>
-          </a:stretch>
-        </a:blipFill>
-        <a:effectLst/>
-      </p:bgPr>
-    </p:bg>
-    <p:spTree>
-      <p:nvGrpSpPr>
-        <p:cNvPr id="1" name=""/>
-        <p:cNvGrpSpPr/>
-        <p:nvPr/>
-      </p:nvGrpSpPr>
-      <p:grpSpPr>
-        <a:xfrm>
-          <a:off x="0" y="0"/>
-          <a:ext cx="0" cy="0"/>
-          <a:chOff x="0" y="0"/>
-          <a:chExt cx="0" cy="0"/>
-        </a:xfrm>
-      </p:grpSpPr>
-      <p:sp>
-        <p:nvSpPr>
-          <p:cNvPr id="2" name="Title 1">
-            <a:extLst>
-              <a:ext uri="{FF2B5EF4-FFF2-40B4-BE49-F238E27FC236}">
-                <a16:creationId xmlns:a16="http://schemas.microsoft.com/office/drawing/2014/main" id="{EA191972-9FB3-47DF-81A1-4DE0178F7856}"/>
-              </a:ext>
-            </a:extLst>
-          </p:cNvPr>
-          <p:cNvSpPr>
-            <a:spLocks noGrp="1"/>
-          </p:cNvSpPr>
-          <p:nvPr>
-            <p:ph type="title"/>
-          </p:nvPr>
-        </p:nvSpPr>
-        <p:spPr>
-          <a:xfrm>
-            <a:off x="3144252" y="1"/>
-            <a:ext cx="8726905" cy="1171073"/>
-          </a:xfrm>
-        </p:spPr>
-        <p:txBody>
-          <a:bodyPr>
-            <a:normAutofit/>
-          </a:bodyPr>
-          <a:lstStyle/>
-          <a:p>
-            <a:pPr algn="ctr"/>
-            <a:r>
-              <a:rPr lang="en-US" sz="4900" dirty="0"/>
-              <a:t>Possible Future Developments</a:t>
-            </a:r>
-          </a:p>
-        </p:txBody>
-      </p:sp>
-      <p:sp>
-        <p:nvSpPr>
-          <p:cNvPr id="13" name="Content Placeholder 12">
-            <a:extLst>
-              <a:ext uri="{FF2B5EF4-FFF2-40B4-BE49-F238E27FC236}">
-                <a16:creationId xmlns:a16="http://schemas.microsoft.com/office/drawing/2014/main" id="{C63C3ED0-0DD2-4E7E-831F-2D1D42A1524E}"/>
-              </a:ext>
-            </a:extLst>
-          </p:cNvPr>
-          <p:cNvSpPr>
-            <a:spLocks noGrp="1"/>
-          </p:cNvSpPr>
-          <p:nvPr>
-            <p:ph sz="half" idx="1"/>
-          </p:nvPr>
-        </p:nvSpPr>
-        <p:spPr>
-          <a:xfrm>
-            <a:off x="3465093" y="1347538"/>
-            <a:ext cx="8726906" cy="3064042"/>
-          </a:xfrm>
-        </p:spPr>
-        <p:txBody>
-          <a:bodyPr>
-            <a:normAutofit/>
-          </a:bodyPr>
-          <a:lstStyle/>
-          <a:p>
-            <a:r>
-              <a:rPr lang="en-US" dirty="0"/>
-              <a:t>Create a shopping list for ingredients you lack</a:t>
-            </a:r>
-          </a:p>
-          <a:p>
-            <a:r>
-              <a:rPr lang="en-US" dirty="0"/>
-              <a:t>Number of results desired</a:t>
-            </a:r>
-          </a:p>
-          <a:p>
-            <a:r>
-              <a:rPr lang="en-US" dirty="0"/>
-              <a:t>“See next 10 recipes” function/button</a:t>
-            </a:r>
-          </a:p>
-          <a:p>
-            <a:r>
-              <a:rPr lang="en-US" dirty="0"/>
-              <a:t>Additional filters for ethnicities, or food allergies</a:t>
-            </a:r>
-            <a:br>
-              <a:rPr lang="en-US" dirty="0"/>
-            </a:br>
-            <a:endParaRPr lang="en-US" dirty="0"/>
-          </a:p>
-          <a:p>
-            <a:r>
-              <a:rPr lang="en-US" dirty="0"/>
-              <a:t>…a background which doesn’t fly off the hook</a:t>
-            </a:r>
-          </a:p>
-          <a:p>
-            <a:endParaRPr lang="en-US" dirty="0"/>
-          </a:p>
-        </p:txBody>
-      </p:sp>
-    </p:spTree>
-    <p:extLst>
-      <p:ext uri="{BB962C8B-B14F-4D97-AF65-F5344CB8AC3E}">
-        <p14:creationId xmlns:p14="http://schemas.microsoft.com/office/powerpoint/2010/main" val="2290623100"/>
-      </p:ext>
-    </p:extLst>
-  </p:cSld>
-  <p:clrMapOvr>
-    <a:masterClrMapping/>
-  </p:clrMapOvr>
-</p:sld>
-</file>
-
-<file path=ppt/slides/slide11.xml><?xml version="1.0" encoding="utf-8"?>
-<p:sld xmlns:a="http://schemas.openxmlformats.org/drawingml/2006/main" xmlns:r="http://schemas.openxmlformats.org/officeDocument/2006/relationships" xmlns:p="http://schemas.openxmlformats.org/presentationml/2006/main">
-  <p:cSld>
-    <p:bg>
-      <p:bgPr>
-        <a:blipFill dpi="0" rotWithShape="1">
-          <a:blip r:embed="rId2">
-            <a:alphaModFix amt="72000"/>
-            <a:lum/>
-          </a:blip>
-          <a:srcRect/>
-          <a:stretch>
-            <a:fillRect l="25000" t="-18000" r="-40000" b="34000"/>
-          </a:stretch>
-        </a:blipFill>
-        <a:effectLst/>
-      </p:bgPr>
-    </p:bg>
-    <p:spTree>
-      <p:nvGrpSpPr>
-        <p:cNvPr id="1" name=""/>
-        <p:cNvGrpSpPr/>
-        <p:nvPr/>
-      </p:nvGrpSpPr>
-      <p:grpSpPr>
-        <a:xfrm>
-          <a:off x="0" y="0"/>
-          <a:ext cx="0" cy="0"/>
-          <a:chOff x="0" y="0"/>
-          <a:chExt cx="0" cy="0"/>
-        </a:xfrm>
-      </p:grpSpPr>
-      <p:sp>
-        <p:nvSpPr>
-          <p:cNvPr id="2" name="Title 1">
-            <a:extLst>
-              <a:ext uri="{FF2B5EF4-FFF2-40B4-BE49-F238E27FC236}">
-                <a16:creationId xmlns:a16="http://schemas.microsoft.com/office/drawing/2014/main" id="{EA191972-9FB3-47DF-81A1-4DE0178F7856}"/>
-              </a:ext>
-            </a:extLst>
-          </p:cNvPr>
-          <p:cNvSpPr>
-            <a:spLocks noGrp="1"/>
-          </p:cNvSpPr>
-          <p:nvPr>
-            <p:ph type="title"/>
-          </p:nvPr>
-        </p:nvSpPr>
-        <p:spPr>
-          <a:xfrm>
-            <a:off x="4411578" y="2"/>
-            <a:ext cx="7780421" cy="1363578"/>
-          </a:xfrm>
-        </p:spPr>
-        <p:txBody>
-          <a:bodyPr>
-            <a:normAutofit/>
-          </a:bodyPr>
-          <a:lstStyle/>
-          <a:p>
-            <a:pPr algn="ctr"/>
-            <a:r>
-              <a:rPr lang="en-US" sz="4900" dirty="0"/>
-              <a:t>Active Link to page:</a:t>
-            </a:r>
-          </a:p>
-        </p:txBody>
-      </p:sp>
-      <p:sp>
-        <p:nvSpPr>
-          <p:cNvPr id="13" name="Content Placeholder 12">
-            <a:extLst>
-              <a:ext uri="{FF2B5EF4-FFF2-40B4-BE49-F238E27FC236}">
-                <a16:creationId xmlns:a16="http://schemas.microsoft.com/office/drawing/2014/main" id="{C63C3ED0-0DD2-4E7E-831F-2D1D42A1524E}"/>
-              </a:ext>
-            </a:extLst>
-          </p:cNvPr>
-          <p:cNvSpPr>
-            <a:spLocks noGrp="1"/>
-          </p:cNvSpPr>
-          <p:nvPr>
-            <p:ph sz="half" idx="1"/>
-          </p:nvPr>
-        </p:nvSpPr>
-        <p:spPr>
-          <a:xfrm>
-            <a:off x="4411577" y="1648326"/>
-            <a:ext cx="7652085" cy="2025316"/>
-          </a:xfrm>
-        </p:spPr>
-        <p:txBody>
-          <a:bodyPr>
-            <a:normAutofit/>
-          </a:bodyPr>
-          <a:lstStyle/>
-          <a:p>
-            <a:pPr marL="0" indent="0" algn="ctr">
-              <a:buNone/>
-            </a:pPr>
-            <a:r>
-              <a:rPr lang="en-US" sz="3200" dirty="0">
-                <a:hlinkClick r:id="rId3"/>
-              </a:rPr>
-              <a:t>https://github.com/ZonkeyStripes/Project1</a:t>
-            </a:r>
-            <a:endParaRPr lang="en-US" sz="3200" dirty="0"/>
-          </a:p>
-        </p:txBody>
-      </p:sp>
-    </p:spTree>
-    <p:extLst>
-      <p:ext uri="{BB962C8B-B14F-4D97-AF65-F5344CB8AC3E}">
-        <p14:creationId xmlns:p14="http://schemas.microsoft.com/office/powerpoint/2010/main" val="338479343"/>
-      </p:ext>
-    </p:extLst>
-  </p:cSld>
-  <p:clrMapOvr>
-    <a:masterClrMapping/>
-  </p:clrMapOvr>
-</p:sld>
-</file>
-
-<file path=ppt/slides/slide12.xml><?xml version="1.0" encoding="utf-8"?>
-<p:sld xmlns:a="http://schemas.openxmlformats.org/drawingml/2006/main" xmlns:r="http://schemas.openxmlformats.org/officeDocument/2006/relationships" xmlns:p="http://schemas.openxmlformats.org/presentationml/2006/main">
-  <p:cSld>
-    <p:bg>
-      <p:bgPr>
-        <a:blipFill dpi="0" rotWithShape="1">
-          <a:blip r:embed="rId2">
-            <a:alphaModFix amt="72000"/>
-            <a:lum/>
-          </a:blip>
-          <a:srcRect/>
-          <a:stretch>
             <a:fillRect l="34000" t="-62000" r="-60000" b="44000"/>
           </a:stretch>
         </a:blipFill>
@@ -3823,7 +3557,7 @@
 </p:sld>
 </file>
 
-<file path=ppt/slides/slide13.xml><?xml version="1.0" encoding="utf-8"?>
+<file path=ppt/slides/slide11.xml><?xml version="1.0" encoding="utf-8"?>
 <p:sld xmlns:a="http://schemas.openxmlformats.org/drawingml/2006/main" xmlns:r="http://schemas.openxmlformats.org/officeDocument/2006/relationships" xmlns:p="http://schemas.openxmlformats.org/presentationml/2006/main">
   <p:cSld>
     <p:bg>
@@ -4212,14 +3946,10 @@
           <a:p>
             <a:pPr algn="ctr"/>
             <a:r>
-              <a:rPr lang="en-US" dirty="0"/>
-              <a:t>	</a:t>
-            </a:r>
-            <a:r>
               <a:rPr lang="en-US" dirty="0">
                 <a:latin typeface="+mn-lt"/>
               </a:rPr>
-              <a:t>Process – Part 1 - Sam</a:t>
+              <a:t>Process – Front End – Sam &amp; Jacque</a:t>
             </a:r>
             <a:endParaRPr lang="en-US" dirty="0"/>
           </a:p>
@@ -4248,36 +3978,40 @@
           </a:xfrm>
         </p:spPr>
         <p:txBody>
-          <a:bodyPr/>
+          <a:bodyPr>
+            <a:normAutofit/>
+          </a:bodyPr>
           <a:lstStyle/>
           <a:p>
             <a:r>
               <a:rPr lang="en-US" dirty="0"/>
-              <a:t>I focused on the front-end development</a:t>
+              <a:t>Sam started by getting familiarized with Materialize and Jacque started hashing out a basic skeleton of the website</a:t>
             </a:r>
           </a:p>
           <a:p>
             <a:r>
               <a:rPr lang="en-US" dirty="0"/>
-              <a:t>I started by using and familiarizing myself with the Materialize </a:t>
+              <a:t>Sam chose to sketch out where he wanted components placed on the page with a paper drawing.</a:t>
             </a:r>
           </a:p>
           <a:p>
             <a:r>
               <a:rPr lang="en-US" dirty="0"/>
-              <a:t>Then (after a bit of frustration and awful looking design) I sketched out what I wanted it to look like with pencil and paper</a:t>
+              <a:t>We started by splitting the page into three different sections, then were able to fine tune component placement, while Jacque helped flesh out the specifics on the HTML</a:t>
             </a:r>
           </a:p>
           <a:p>
             <a:r>
               <a:rPr lang="en-US" dirty="0"/>
-              <a:t>After that it came down to sectioning out different parts of the web page and moving them where I wanted them to go to.</a:t>
-            </a:r>
-          </a:p>
-          <a:p>
+              <a:t>Near the end there was a lot of </a:t>
+            </a:r>
+            <a:r>
+              <a:rPr lang="en-US" dirty="0" err="1"/>
+              <a:t>tweeking</a:t>
+            </a:r>
             <a:r>
               <a:rPr lang="en-US" dirty="0"/>
-              <a:t>I was helped along the way a couple of times by my team, such as Jacque changing the original one file into three and Harley helping the background not change size unexpectedly.</a:t>
+              <a:t> and CSS stylizing, as well as adding images such as the backgrounds.</a:t>
             </a:r>
           </a:p>
         </p:txBody>
@@ -4296,234 +4030,6 @@
 </file>
 
 <file path=ppt/slides/slide5.xml><?xml version="1.0" encoding="utf-8"?>
-<p:sld xmlns:a="http://schemas.openxmlformats.org/drawingml/2006/main" xmlns:r="http://schemas.openxmlformats.org/officeDocument/2006/relationships" xmlns:p="http://schemas.openxmlformats.org/presentationml/2006/main">
-  <p:cSld>
-    <p:bg>
-      <p:bgPr>
-        <a:blipFill dpi="0" rotWithShape="1">
-          <a:blip r:embed="rId2">
-            <a:alphaModFix amt="72000"/>
-            <a:lum/>
-          </a:blip>
-          <a:srcRect/>
-          <a:stretch>
-            <a:fillRect l="2500" b="4000"/>
-          </a:stretch>
-        </a:blipFill>
-        <a:effectLst/>
-      </p:bgPr>
-    </p:bg>
-    <p:spTree>
-      <p:nvGrpSpPr>
-        <p:cNvPr id="1" name=""/>
-        <p:cNvGrpSpPr/>
-        <p:nvPr/>
-      </p:nvGrpSpPr>
-      <p:grpSpPr>
-        <a:xfrm>
-          <a:off x="0" y="0"/>
-          <a:ext cx="0" cy="0"/>
-          <a:chOff x="0" y="0"/>
-          <a:chExt cx="0" cy="0"/>
-        </a:xfrm>
-      </p:grpSpPr>
-      <p:sp>
-        <p:nvSpPr>
-          <p:cNvPr id="2" name="Title 1">
-            <a:extLst>
-              <a:ext uri="{FF2B5EF4-FFF2-40B4-BE49-F238E27FC236}">
-                <a16:creationId xmlns:a16="http://schemas.microsoft.com/office/drawing/2014/main" id="{EA191972-9FB3-47DF-81A1-4DE0178F7856}"/>
-              </a:ext>
-            </a:extLst>
-          </p:cNvPr>
-          <p:cNvSpPr>
-            <a:spLocks noGrp="1"/>
-          </p:cNvSpPr>
-          <p:nvPr>
-            <p:ph type="title"/>
-          </p:nvPr>
-        </p:nvSpPr>
-        <p:spPr/>
-        <p:txBody>
-          <a:bodyPr/>
-          <a:lstStyle/>
-          <a:p>
-            <a:pPr algn="ctr"/>
-            <a:r>
-              <a:rPr lang="en-US" dirty="0"/>
-              <a:t>	</a:t>
-            </a:r>
-            <a:r>
-              <a:rPr lang="en-US" dirty="0">
-                <a:latin typeface="+mn-lt"/>
-              </a:rPr>
-              <a:t>Process – Part 2 - Jacque</a:t>
-            </a:r>
-            <a:endParaRPr lang="en-US" dirty="0"/>
-          </a:p>
-        </p:txBody>
-      </p:sp>
-      <p:sp>
-        <p:nvSpPr>
-          <p:cNvPr id="13" name="Content Placeholder 12">
-            <a:extLst>
-              <a:ext uri="{FF2B5EF4-FFF2-40B4-BE49-F238E27FC236}">
-                <a16:creationId xmlns:a16="http://schemas.microsoft.com/office/drawing/2014/main" id="{C63C3ED0-0DD2-4E7E-831F-2D1D42A1524E}"/>
-              </a:ext>
-            </a:extLst>
-          </p:cNvPr>
-          <p:cNvSpPr>
-            <a:spLocks noGrp="1"/>
-          </p:cNvSpPr>
-          <p:nvPr>
-            <p:ph sz="half" idx="1"/>
-          </p:nvPr>
-        </p:nvSpPr>
-        <p:spPr>
-          <a:xfrm>
-            <a:off x="1604210" y="1876926"/>
-            <a:ext cx="9749589" cy="4045572"/>
-          </a:xfrm>
-        </p:spPr>
-        <p:txBody>
-          <a:bodyPr/>
-          <a:lstStyle/>
-          <a:p>
-            <a:r>
-              <a:rPr lang="en-US" dirty="0"/>
-              <a:t>Put in whatever you’d like in here?? -Sam</a:t>
-            </a:r>
-          </a:p>
-        </p:txBody>
-      </p:sp>
-    </p:spTree>
-    <p:extLst>
-      <p:ext uri="{BB962C8B-B14F-4D97-AF65-F5344CB8AC3E}">
-        <p14:creationId xmlns:p14="http://schemas.microsoft.com/office/powerpoint/2010/main" val="352287407"/>
-      </p:ext>
-    </p:extLst>
-  </p:cSld>
-  <p:clrMapOvr>
-    <a:masterClrMapping/>
-  </p:clrMapOvr>
-</p:sld>
-</file>
-
-<file path=ppt/slides/slide6.xml><?xml version="1.0" encoding="utf-8"?>
-<p:sld xmlns:a="http://schemas.openxmlformats.org/drawingml/2006/main" xmlns:r="http://schemas.openxmlformats.org/officeDocument/2006/relationships" xmlns:p="http://schemas.openxmlformats.org/presentationml/2006/main">
-  <p:cSld>
-    <p:bg>
-      <p:bgPr>
-        <a:blipFill dpi="0" rotWithShape="1">
-          <a:blip r:embed="rId2">
-            <a:alphaModFix amt="72000"/>
-            <a:lum/>
-          </a:blip>
-          <a:srcRect/>
-          <a:stretch>
-            <a:fillRect l="3000" b="5000"/>
-          </a:stretch>
-        </a:blipFill>
-        <a:effectLst/>
-      </p:bgPr>
-    </p:bg>
-    <p:spTree>
-      <p:nvGrpSpPr>
-        <p:cNvPr id="1" name=""/>
-        <p:cNvGrpSpPr/>
-        <p:nvPr/>
-      </p:nvGrpSpPr>
-      <p:grpSpPr>
-        <a:xfrm>
-          <a:off x="0" y="0"/>
-          <a:ext cx="0" cy="0"/>
-          <a:chOff x="0" y="0"/>
-          <a:chExt cx="0" cy="0"/>
-        </a:xfrm>
-      </p:grpSpPr>
-      <p:sp>
-        <p:nvSpPr>
-          <p:cNvPr id="2" name="Title 1">
-            <a:extLst>
-              <a:ext uri="{FF2B5EF4-FFF2-40B4-BE49-F238E27FC236}">
-                <a16:creationId xmlns:a16="http://schemas.microsoft.com/office/drawing/2014/main" id="{EA191972-9FB3-47DF-81A1-4DE0178F7856}"/>
-              </a:ext>
-            </a:extLst>
-          </p:cNvPr>
-          <p:cNvSpPr>
-            <a:spLocks noGrp="1"/>
-          </p:cNvSpPr>
-          <p:nvPr>
-            <p:ph type="title"/>
-          </p:nvPr>
-        </p:nvSpPr>
-        <p:spPr/>
-        <p:txBody>
-          <a:bodyPr/>
-          <a:lstStyle/>
-          <a:p>
-            <a:pPr algn="ctr"/>
-            <a:r>
-              <a:rPr lang="en-US" dirty="0"/>
-              <a:t>	</a:t>
-            </a:r>
-            <a:r>
-              <a:rPr lang="en-US" dirty="0">
-                <a:latin typeface="+mn-lt"/>
-              </a:rPr>
-              <a:t>Process – Part 3 - Maria</a:t>
-            </a:r>
-            <a:endParaRPr lang="en-US" dirty="0"/>
-          </a:p>
-        </p:txBody>
-      </p:sp>
-      <p:sp>
-        <p:nvSpPr>
-          <p:cNvPr id="13" name="Content Placeholder 12">
-            <a:extLst>
-              <a:ext uri="{FF2B5EF4-FFF2-40B4-BE49-F238E27FC236}">
-                <a16:creationId xmlns:a16="http://schemas.microsoft.com/office/drawing/2014/main" id="{C63C3ED0-0DD2-4E7E-831F-2D1D42A1524E}"/>
-              </a:ext>
-            </a:extLst>
-          </p:cNvPr>
-          <p:cNvSpPr>
-            <a:spLocks noGrp="1"/>
-          </p:cNvSpPr>
-          <p:nvPr>
-            <p:ph sz="half" idx="1"/>
-          </p:nvPr>
-        </p:nvSpPr>
-        <p:spPr>
-          <a:xfrm>
-            <a:off x="1700462" y="1876926"/>
-            <a:ext cx="9653337" cy="4045572"/>
-          </a:xfrm>
-        </p:spPr>
-        <p:txBody>
-          <a:bodyPr/>
-          <a:lstStyle/>
-          <a:p>
-            <a:r>
-              <a:rPr lang="en-US" dirty="0"/>
-              <a:t>Put in whatever you’d like here?? -Sam</a:t>
-            </a:r>
-          </a:p>
-        </p:txBody>
-      </p:sp>
-    </p:spTree>
-    <p:extLst>
-      <p:ext uri="{BB962C8B-B14F-4D97-AF65-F5344CB8AC3E}">
-        <p14:creationId xmlns:p14="http://schemas.microsoft.com/office/powerpoint/2010/main" val="847746654"/>
-      </p:ext>
-    </p:extLst>
-  </p:cSld>
-  <p:clrMapOvr>
-    <a:masterClrMapping/>
-  </p:clrMapOvr>
-</p:sld>
-</file>
-
-<file path=ppt/slides/slide7.xml><?xml version="1.0" encoding="utf-8"?>
 <p:sld xmlns:a="http://schemas.openxmlformats.org/drawingml/2006/main" xmlns:r="http://schemas.openxmlformats.org/officeDocument/2006/relationships" xmlns:p="http://schemas.openxmlformats.org/presentationml/2006/main">
   <p:cSld>
     <p:bg>
@@ -4585,7 +4091,7 @@
               <a:rPr lang="en-US" dirty="0">
                 <a:latin typeface="+mn-lt"/>
               </a:rPr>
-              <a:t>Process – Part 4 - Harley</a:t>
+              <a:t>Back End Development – Harley/Maria</a:t>
             </a:r>
             <a:endParaRPr lang="en-US" dirty="0"/>
           </a:p>
@@ -4619,12 +4125,6 @@
           <a:p>
             <a:r>
               <a:rPr lang="en-US" dirty="0"/>
-              <a:t>Back end developer</a:t>
-            </a:r>
-          </a:p>
-          <a:p>
-            <a:r>
-              <a:rPr lang="en-US" dirty="0"/>
               <a:t>Worked </a:t>
             </a:r>
             <a:r>
@@ -4633,8 +4133,14 @@
             </a:r>
             <a:r>
               <a:rPr lang="en-US" dirty="0"/>
-              <a:t> for the cocktail page</a:t>
-            </a:r>
+              <a:t> for the pages</a:t>
+            </a:r>
+          </a:p>
+          <a:p>
+            <a:endParaRPr lang="en-US" dirty="0"/>
+          </a:p>
+          <a:p>
+            <a:endParaRPr lang="en-US" dirty="0"/>
           </a:p>
           <a:p>
             <a:r>
@@ -4649,18 +4155,20 @@
             </a:r>
             <a:r>
               <a:rPr lang="en-US" dirty="0"/>
-              <a:t> for the information used for the recipes.</a:t>
-            </a:r>
-          </a:p>
-          <a:p>
+              <a:t> and </a:t>
+            </a:r>
+            <a:r>
+              <a:rPr lang="en-US" dirty="0">
+                <a:hlinkClick r:id="rId4"/>
+              </a:rPr>
+              <a:t>https://api.edamam.com</a:t>
+            </a:r>
             <a:r>
               <a:rPr lang="en-US" dirty="0"/>
-              <a:t>Deployed from </a:t>
-            </a:r>
-            <a:r>
-              <a:rPr lang="en-US" dirty="0" err="1"/>
-              <a:t>ZonkeyStripes</a:t>
-            </a:r>
+              <a:t> for the information used the recipes.</a:t>
+            </a:r>
+          </a:p>
+          <a:p>
             <a:endParaRPr lang="en-US" dirty="0"/>
           </a:p>
         </p:txBody>
@@ -4678,7 +4186,7 @@
 </p:sld>
 </file>
 
-<file path=ppt/slides/slide8.xml><?xml version="1.0" encoding="utf-8"?>
+<file path=ppt/slides/slide6.xml><?xml version="1.0" encoding="utf-8"?>
 <p:sld xmlns:a="http://schemas.openxmlformats.org/drawingml/2006/main" xmlns:r="http://schemas.openxmlformats.org/officeDocument/2006/relationships" xmlns:p="http://schemas.openxmlformats.org/presentationml/2006/main">
   <p:cSld>
     <p:bg>
@@ -4858,7 +4366,7 @@
 </p:sld>
 </file>
 
-<file path=ppt/slides/slide9.xml><?xml version="1.0" encoding="utf-8"?>
+<file path=ppt/slides/slide7.xml><?xml version="1.0" encoding="utf-8"?>
 <p:sld xmlns:a="http://schemas.openxmlformats.org/drawingml/2006/main" xmlns:r="http://schemas.openxmlformats.org/officeDocument/2006/relationships" xmlns:p="http://schemas.openxmlformats.org/presentationml/2006/main">
   <p:cSld>
     <p:bg>
@@ -5010,6 +4518,275 @@
     <p:extLst>
       <p:ext uri="{BB962C8B-B14F-4D97-AF65-F5344CB8AC3E}">
         <p14:creationId xmlns:p14="http://schemas.microsoft.com/office/powerpoint/2010/main" val="464300216"/>
+      </p:ext>
+    </p:extLst>
+  </p:cSld>
+  <p:clrMapOvr>
+    <a:masterClrMapping/>
+  </p:clrMapOvr>
+</p:sld>
+</file>
+
+<file path=ppt/slides/slide8.xml><?xml version="1.0" encoding="utf-8"?>
+<p:sld xmlns:a="http://schemas.openxmlformats.org/drawingml/2006/main" xmlns:r="http://schemas.openxmlformats.org/officeDocument/2006/relationships" xmlns:p="http://schemas.openxmlformats.org/presentationml/2006/main">
+  <p:cSld>
+    <p:bg>
+      <p:bgPr>
+        <a:blipFill dpi="0" rotWithShape="1">
+          <a:blip r:embed="rId2">
+            <a:alphaModFix amt="72000"/>
+            <a:lum/>
+          </a:blip>
+          <a:srcRect/>
+          <a:stretch>
+            <a:fillRect l="14000" t="-12000" r="-39000" b="26000"/>
+          </a:stretch>
+        </a:blipFill>
+        <a:effectLst/>
+      </p:bgPr>
+    </p:bg>
+    <p:spTree>
+      <p:nvGrpSpPr>
+        <p:cNvPr id="1" name=""/>
+        <p:cNvGrpSpPr/>
+        <p:nvPr/>
+      </p:nvGrpSpPr>
+      <p:grpSpPr>
+        <a:xfrm>
+          <a:off x="0" y="0"/>
+          <a:ext cx="0" cy="0"/>
+          <a:chOff x="0" y="0"/>
+          <a:chExt cx="0" cy="0"/>
+        </a:xfrm>
+      </p:grpSpPr>
+      <p:sp>
+        <p:nvSpPr>
+          <p:cNvPr id="2" name="Title 1">
+            <a:extLst>
+              <a:ext uri="{FF2B5EF4-FFF2-40B4-BE49-F238E27FC236}">
+                <a16:creationId xmlns:a16="http://schemas.microsoft.com/office/drawing/2014/main" id="{EA191972-9FB3-47DF-81A1-4DE0178F7856}"/>
+              </a:ext>
+            </a:extLst>
+          </p:cNvPr>
+          <p:cNvSpPr>
+            <a:spLocks noGrp="1"/>
+          </p:cNvSpPr>
+          <p:nvPr>
+            <p:ph type="title"/>
+          </p:nvPr>
+        </p:nvSpPr>
+        <p:spPr>
+          <a:xfrm>
+            <a:off x="3144252" y="1"/>
+            <a:ext cx="8726905" cy="1171073"/>
+          </a:xfrm>
+        </p:spPr>
+        <p:txBody>
+          <a:bodyPr>
+            <a:normAutofit/>
+          </a:bodyPr>
+          <a:lstStyle/>
+          <a:p>
+            <a:pPr algn="ctr"/>
+            <a:r>
+              <a:rPr lang="en-US" sz="4900" dirty="0"/>
+              <a:t>Possible Future Developments</a:t>
+            </a:r>
+          </a:p>
+        </p:txBody>
+      </p:sp>
+      <p:sp>
+        <p:nvSpPr>
+          <p:cNvPr id="13" name="Content Placeholder 12">
+            <a:extLst>
+              <a:ext uri="{FF2B5EF4-FFF2-40B4-BE49-F238E27FC236}">
+                <a16:creationId xmlns:a16="http://schemas.microsoft.com/office/drawing/2014/main" id="{C63C3ED0-0DD2-4E7E-831F-2D1D42A1524E}"/>
+              </a:ext>
+            </a:extLst>
+          </p:cNvPr>
+          <p:cNvSpPr>
+            <a:spLocks noGrp="1"/>
+          </p:cNvSpPr>
+          <p:nvPr>
+            <p:ph sz="half" idx="1"/>
+          </p:nvPr>
+        </p:nvSpPr>
+        <p:spPr>
+          <a:xfrm>
+            <a:off x="3465093" y="1347538"/>
+            <a:ext cx="8726906" cy="3064042"/>
+          </a:xfrm>
+        </p:spPr>
+        <p:txBody>
+          <a:bodyPr>
+            <a:normAutofit/>
+          </a:bodyPr>
+          <a:lstStyle/>
+          <a:p>
+            <a:r>
+              <a:rPr lang="en-US" dirty="0"/>
+              <a:t>Create a shopping list for ingredients you lack</a:t>
+            </a:r>
+          </a:p>
+          <a:p>
+            <a:r>
+              <a:rPr lang="en-US" dirty="0"/>
+              <a:t>Number of results desired</a:t>
+            </a:r>
+          </a:p>
+          <a:p>
+            <a:r>
+              <a:rPr lang="en-US" dirty="0"/>
+              <a:t>“See next 10 recipes” function/button</a:t>
+            </a:r>
+          </a:p>
+          <a:p>
+            <a:r>
+              <a:rPr lang="en-US" dirty="0"/>
+              <a:t>Additional filters for ethnicities, or food allergies</a:t>
+            </a:r>
+            <a:br>
+              <a:rPr lang="en-US" dirty="0"/>
+            </a:br>
+            <a:endParaRPr lang="en-US" dirty="0"/>
+          </a:p>
+          <a:p>
+            <a:r>
+              <a:rPr lang="en-US" dirty="0"/>
+              <a:t>…a background which doesn’t fly off the hook</a:t>
+            </a:r>
+          </a:p>
+          <a:p>
+            <a:endParaRPr lang="en-US" dirty="0"/>
+          </a:p>
+        </p:txBody>
+      </p:sp>
+    </p:spTree>
+    <p:extLst>
+      <p:ext uri="{BB962C8B-B14F-4D97-AF65-F5344CB8AC3E}">
+        <p14:creationId xmlns:p14="http://schemas.microsoft.com/office/powerpoint/2010/main" val="2290623100"/>
+      </p:ext>
+    </p:extLst>
+  </p:cSld>
+  <p:clrMapOvr>
+    <a:masterClrMapping/>
+  </p:clrMapOvr>
+</p:sld>
+</file>
+
+<file path=ppt/slides/slide9.xml><?xml version="1.0" encoding="utf-8"?>
+<p:sld xmlns:a="http://schemas.openxmlformats.org/drawingml/2006/main" xmlns:r="http://schemas.openxmlformats.org/officeDocument/2006/relationships" xmlns:p="http://schemas.openxmlformats.org/presentationml/2006/main">
+  <p:cSld>
+    <p:bg>
+      <p:bgPr>
+        <a:blipFill dpi="0" rotWithShape="1">
+          <a:blip r:embed="rId2">
+            <a:alphaModFix amt="72000"/>
+            <a:lum/>
+          </a:blip>
+          <a:srcRect/>
+          <a:stretch>
+            <a:fillRect l="25000" t="-18000" r="-40000" b="34000"/>
+          </a:stretch>
+        </a:blipFill>
+        <a:effectLst/>
+      </p:bgPr>
+    </p:bg>
+    <p:spTree>
+      <p:nvGrpSpPr>
+        <p:cNvPr id="1" name=""/>
+        <p:cNvGrpSpPr/>
+        <p:nvPr/>
+      </p:nvGrpSpPr>
+      <p:grpSpPr>
+        <a:xfrm>
+          <a:off x="0" y="0"/>
+          <a:ext cx="0" cy="0"/>
+          <a:chOff x="0" y="0"/>
+          <a:chExt cx="0" cy="0"/>
+        </a:xfrm>
+      </p:grpSpPr>
+      <p:sp>
+        <p:nvSpPr>
+          <p:cNvPr id="2" name="Title 1">
+            <a:extLst>
+              <a:ext uri="{FF2B5EF4-FFF2-40B4-BE49-F238E27FC236}">
+                <a16:creationId xmlns:a16="http://schemas.microsoft.com/office/drawing/2014/main" id="{EA191972-9FB3-47DF-81A1-4DE0178F7856}"/>
+              </a:ext>
+            </a:extLst>
+          </p:cNvPr>
+          <p:cNvSpPr>
+            <a:spLocks noGrp="1"/>
+          </p:cNvSpPr>
+          <p:nvPr>
+            <p:ph type="title"/>
+          </p:nvPr>
+        </p:nvSpPr>
+        <p:spPr>
+          <a:xfrm>
+            <a:off x="4411578" y="2"/>
+            <a:ext cx="7780421" cy="1363578"/>
+          </a:xfrm>
+        </p:spPr>
+        <p:txBody>
+          <a:bodyPr>
+            <a:normAutofit/>
+          </a:bodyPr>
+          <a:lstStyle/>
+          <a:p>
+            <a:pPr algn="ctr"/>
+            <a:r>
+              <a:rPr lang="en-US" sz="4900" dirty="0"/>
+              <a:t>Active Link to page:</a:t>
+            </a:r>
+          </a:p>
+        </p:txBody>
+      </p:sp>
+      <p:sp>
+        <p:nvSpPr>
+          <p:cNvPr id="13" name="Content Placeholder 12">
+            <a:extLst>
+              <a:ext uri="{FF2B5EF4-FFF2-40B4-BE49-F238E27FC236}">
+                <a16:creationId xmlns:a16="http://schemas.microsoft.com/office/drawing/2014/main" id="{C63C3ED0-0DD2-4E7E-831F-2D1D42A1524E}"/>
+              </a:ext>
+            </a:extLst>
+          </p:cNvPr>
+          <p:cNvSpPr>
+            <a:spLocks noGrp="1"/>
+          </p:cNvSpPr>
+          <p:nvPr>
+            <p:ph sz="half" idx="1"/>
+          </p:nvPr>
+        </p:nvSpPr>
+        <p:spPr>
+          <a:xfrm>
+            <a:off x="4411577" y="1648326"/>
+            <a:ext cx="7652085" cy="2025316"/>
+          </a:xfrm>
+        </p:spPr>
+        <p:txBody>
+          <a:bodyPr>
+            <a:normAutofit/>
+          </a:bodyPr>
+          <a:lstStyle/>
+          <a:p>
+            <a:pPr marL="0" indent="0" algn="ctr">
+              <a:buNone/>
+            </a:pPr>
+            <a:r>
+              <a:rPr lang="en-US" sz="3200" dirty="0">
+                <a:hlinkClick r:id="rId3"/>
+              </a:rPr>
+              <a:t>https://github.com/ZonkeyStripes/Project1</a:t>
+            </a:r>
+            <a:endParaRPr lang="en-US" sz="3200" dirty="0"/>
+          </a:p>
+        </p:txBody>
+      </p:sp>
+    </p:spTree>
+    <p:extLst>
+      <p:ext uri="{BB962C8B-B14F-4D97-AF65-F5344CB8AC3E}">
+        <p14:creationId xmlns:p14="http://schemas.microsoft.com/office/powerpoint/2010/main" val="338479343"/>
       </p:ext>
     </p:extLst>
   </p:cSld>
